--- a/Content/SailPoint_IdentityIQ_Interview_Questions.pptx
+++ b/Content/SailPoint_IdentityIQ_Interview_Questions.pptx
@@ -5,10 +5,10 @@
     <p:sldMasterId id="2147483648" r:id="rId4"/>
   </p:sldMasterIdLst>
   <p:notesMasterIdLst>
-    <p:notesMasterId r:id="rId21"/>
+    <p:notesMasterId r:id="rId22"/>
   </p:notesMasterIdLst>
   <p:handoutMasterIdLst>
-    <p:handoutMasterId r:id="rId22"/>
+    <p:handoutMasterId r:id="rId23"/>
   </p:handoutMasterIdLst>
   <p:sldIdLst>
     <p:sldId id="256" r:id="rId5"/>
@@ -18,15 +18,16 @@
     <p:sldId id="288" r:id="rId9"/>
     <p:sldId id="289" r:id="rId10"/>
     <p:sldId id="290" r:id="rId11"/>
-    <p:sldId id="291" r:id="rId12"/>
-    <p:sldId id="292" r:id="rId13"/>
-    <p:sldId id="295" r:id="rId14"/>
-    <p:sldId id="296" r:id="rId15"/>
-    <p:sldId id="293" r:id="rId16"/>
-    <p:sldId id="297" r:id="rId17"/>
-    <p:sldId id="298" r:id="rId18"/>
-    <p:sldId id="294" r:id="rId19"/>
-    <p:sldId id="268" r:id="rId20"/>
+    <p:sldId id="292" r:id="rId12"/>
+    <p:sldId id="295" r:id="rId13"/>
+    <p:sldId id="296" r:id="rId14"/>
+    <p:sldId id="293" r:id="rId15"/>
+    <p:sldId id="297" r:id="rId16"/>
+    <p:sldId id="298" r:id="rId17"/>
+    <p:sldId id="300" r:id="rId18"/>
+    <p:sldId id="299" r:id="rId19"/>
+    <p:sldId id="294" r:id="rId20"/>
+    <p:sldId id="268" r:id="rId21"/>
   </p:sldIdLst>
   <p:sldSz cx="12192000" cy="6858000"/>
   <p:notesSz cx="6858000" cy="9144000"/>
@@ -241,7 +242,7 @@
           <a:p>
             <a:fld id="{1CA5457B-CDAE-4DEB-AEC8-C82DE2312E37}" type="datetimeFigureOut">
               <a:rPr lang="en-US" smtClean="0"/>
-              <a:t>9/25/2022</a:t>
+              <a:t>10/5/2022</a:t>
             </a:fld>
             <a:endParaRPr lang="en-US" dirty="0"/>
           </a:p>
@@ -418,7 +419,7 @@
           <a:p>
             <a:fld id="{090B78EA-28CE-41D8-9043-90E391E5F567}" type="datetimeFigureOut">
               <a:rPr lang="en-US" noProof="0" smtClean="0"/>
-              <a:t>9/25/2022</a:t>
+              <a:t>10/5/2022</a:t>
             </a:fld>
             <a:endParaRPr lang="en-US" noProof="0" dirty="0"/>
           </a:p>
@@ -25601,7 +25602,7 @@
           <a:p>
             <a:r>
               <a:rPr lang="en-US" dirty="0"/>
-              <a:t>Servers</a:t>
+              <a:t>Workflows</a:t>
             </a:r>
           </a:p>
         </p:txBody>
@@ -25638,7 +25639,7 @@
             </a:pPr>
             <a:r>
               <a:rPr lang="en-GB" dirty="0"/>
-              <a:t>What is UI and Task servers</a:t>
+              <a:t>What are the Main Workflows</a:t>
             </a:r>
           </a:p>
           <a:p>
@@ -25648,8 +25649,95 @@
             </a:pPr>
             <a:r>
               <a:rPr lang="en-GB" dirty="0"/>
-              <a:t>How do make a server UI/Task</a:t>
+              <a:t>What are top level workflows</a:t>
             </a:r>
+          </a:p>
+          <a:p>
+            <a:pPr marL="285750" indent="-285750">
+              <a:buFont typeface="Arial" panose="020B0604020202020204" pitchFamily="34" charset="0"/>
+              <a:buChar char="•"/>
+            </a:pPr>
+            <a:r>
+              <a:rPr lang="en-GB" dirty="0"/>
+              <a:t>What are sub workflows</a:t>
+            </a:r>
+          </a:p>
+          <a:p>
+            <a:pPr marL="285750" indent="-285750">
+              <a:buFont typeface="Arial" panose="020B0604020202020204" pitchFamily="34" charset="0"/>
+              <a:buChar char="•"/>
+            </a:pPr>
+            <a:r>
+              <a:rPr lang="en-GB" dirty="0"/>
+              <a:t>Explain LCM Provisioning Workflow process</a:t>
+            </a:r>
+          </a:p>
+          <a:p>
+            <a:pPr marL="285750" indent="-285750">
+              <a:buFont typeface="Arial" panose="020B0604020202020204" pitchFamily="34" charset="0"/>
+              <a:buChar char="•"/>
+            </a:pPr>
+            <a:r>
+              <a:rPr lang="en-GB" dirty="0"/>
+              <a:t>What is the purpose of Identity Request Notify sub-workflow</a:t>
+            </a:r>
+          </a:p>
+          <a:p>
+            <a:pPr marL="285750" indent="-285750">
+              <a:buFont typeface="Arial" panose="020B0604020202020204" pitchFamily="34" charset="0"/>
+              <a:buChar char="•"/>
+            </a:pPr>
+            <a:r>
+              <a:rPr lang="en-GB" dirty="0"/>
+              <a:t>What is the purpose of Identity Request Initialize sub-workflow</a:t>
+            </a:r>
+          </a:p>
+          <a:p>
+            <a:pPr marL="285750" indent="-285750">
+              <a:buFont typeface="Arial" panose="020B0604020202020204" pitchFamily="34" charset="0"/>
+              <a:buChar char="•"/>
+            </a:pPr>
+            <a:r>
+              <a:rPr lang="en-GB" dirty="0"/>
+              <a:t>What is Provisioning plan</a:t>
+            </a:r>
+          </a:p>
+          <a:p>
+            <a:pPr marL="285750" indent="-285750">
+              <a:buFont typeface="Arial" panose="020B0604020202020204" pitchFamily="34" charset="0"/>
+              <a:buChar char="•"/>
+            </a:pPr>
+            <a:r>
+              <a:rPr lang="en-GB" dirty="0"/>
+              <a:t>What is the difference between provisioning plan and provisioning project</a:t>
+            </a:r>
+          </a:p>
+          <a:p>
+            <a:pPr marL="285750" indent="-285750">
+              <a:buFont typeface="Arial" panose="020B0604020202020204" pitchFamily="34" charset="0"/>
+              <a:buChar char="•"/>
+            </a:pPr>
+            <a:r>
+              <a:rPr lang="en-GB" dirty="0"/>
+              <a:t>How do you extract the user responses from a provisioning policy form</a:t>
+            </a:r>
+          </a:p>
+          <a:p>
+            <a:pPr marL="285750" indent="-285750">
+              <a:buFont typeface="Arial" panose="020B0604020202020204" pitchFamily="34" charset="0"/>
+              <a:buChar char="•"/>
+            </a:pPr>
+            <a:r>
+              <a:rPr lang="en-GB" dirty="0"/>
+              <a:t>What is the purpose of provision split sub process</a:t>
+            </a:r>
+          </a:p>
+          <a:p>
+            <a:pPr marL="285750" indent="-285750">
+              <a:buFont typeface="Arial" panose="020B0604020202020204" pitchFamily="34" charset="0"/>
+              <a:buChar char="•"/>
+            </a:pPr>
+            <a:endParaRPr lang="en-GB" dirty="0"/>
           </a:p>
         </p:txBody>
       </p:sp>
@@ -25686,7 +25774,7 @@
     </p:spTree>
     <p:extLst>
       <p:ext uri="{BB962C8B-B14F-4D97-AF65-F5344CB8AC3E}">
-        <p14:creationId xmlns:p14="http://schemas.microsoft.com/office/powerpoint/2010/main" val="1608936338"/>
+        <p14:creationId xmlns:p14="http://schemas.microsoft.com/office/powerpoint/2010/main" val="2576985450"/>
       </p:ext>
     </p:extLst>
   </p:cSld>
@@ -25753,7 +25841,7 @@
           <a:p>
             <a:r>
               <a:rPr lang="en-US" dirty="0"/>
-              <a:t>Workflows</a:t>
+              <a:t>Tasks</a:t>
             </a:r>
           </a:p>
         </p:txBody>
@@ -25776,7 +25864,7 @@
         </p:nvSpPr>
         <p:spPr>
           <a:xfrm>
-            <a:off x="160337" y="1159193"/>
+            <a:off x="112712" y="1092518"/>
             <a:ext cx="11736388" cy="5289232"/>
           </a:xfrm>
         </p:spPr>
@@ -25790,7 +25878,7 @@
             </a:pPr>
             <a:r>
               <a:rPr lang="en-GB" dirty="0"/>
-              <a:t>What are the Main Workflows</a:t>
+              <a:t>What is Refresh Identity cube task, why do you need it, explain some major options you need while Running Refresh task</a:t>
             </a:r>
           </a:p>
           <a:p>
@@ -25800,7 +25888,7 @@
             </a:pPr>
             <a:r>
               <a:rPr lang="en-GB" dirty="0"/>
-              <a:t>Explain LCM Provisioning Workflow process</a:t>
+              <a:t>Explain about Perform maintenance task</a:t>
             </a:r>
           </a:p>
           <a:p>
@@ -25808,7 +25896,70 @@
               <a:buFont typeface="Arial" panose="020B0604020202020204" pitchFamily="34" charset="0"/>
               <a:buChar char="•"/>
             </a:pPr>
-            <a:endParaRPr lang="en-GB" dirty="0"/>
+            <a:r>
+              <a:rPr lang="en-GB" dirty="0"/>
+              <a:t>Explain about check expired work items task</a:t>
+            </a:r>
+          </a:p>
+          <a:p>
+            <a:pPr marL="285750" indent="-285750">
+              <a:buFont typeface="Arial" panose="020B0604020202020204" pitchFamily="34" charset="0"/>
+              <a:buChar char="•"/>
+            </a:pPr>
+            <a:r>
+              <a:rPr lang="en-GB" dirty="0"/>
+              <a:t>Run Rule Task</a:t>
+            </a:r>
+          </a:p>
+          <a:p>
+            <a:pPr marL="285750" indent="-285750">
+              <a:buFont typeface="Arial" panose="020B0604020202020204" pitchFamily="34" charset="0"/>
+              <a:buChar char="•"/>
+            </a:pPr>
+            <a:r>
+              <a:rPr lang="en-GB" dirty="0"/>
+              <a:t>Entitlement Role Generator Task</a:t>
+            </a:r>
+          </a:p>
+          <a:p>
+            <a:pPr marL="285750" indent="-285750">
+              <a:buFont typeface="Arial" panose="020B0604020202020204" pitchFamily="34" charset="0"/>
+              <a:buChar char="•"/>
+            </a:pPr>
+            <a:r>
+              <a:rPr lang="en-US" dirty="0"/>
+              <a:t>Application Builder Task</a:t>
+            </a:r>
+          </a:p>
+          <a:p>
+            <a:pPr marL="285750" indent="-285750">
+              <a:buFont typeface="Arial" panose="020B0604020202020204" pitchFamily="34" charset="0"/>
+              <a:buChar char="•"/>
+            </a:pPr>
+            <a:r>
+              <a:rPr lang="en-US" dirty="0"/>
+              <a:t>Propagate Role Changes Task</a:t>
+            </a:r>
+          </a:p>
+          <a:p>
+            <a:pPr marL="285750" indent="-285750">
+              <a:buFont typeface="Arial" panose="020B0604020202020204" pitchFamily="34" charset="0"/>
+              <a:buChar char="•"/>
+            </a:pPr>
+            <a:r>
+              <a:rPr lang="en-US" dirty="0"/>
+              <a:t>Sequential Task launcher</a:t>
+            </a:r>
+          </a:p>
+          <a:p>
+            <a:pPr marL="285750" indent="-285750">
+              <a:buFont typeface="Arial" panose="020B0604020202020204" pitchFamily="34" charset="0"/>
+              <a:buChar char="•"/>
+            </a:pPr>
+            <a:r>
+              <a:rPr lang="en-US" dirty="0"/>
+              <a:t>How do you force a task to execute on a specific server</a:t>
+            </a:r>
           </a:p>
         </p:txBody>
       </p:sp>
@@ -25845,7 +25996,7 @@
     </p:spTree>
     <p:extLst>
       <p:ext uri="{BB962C8B-B14F-4D97-AF65-F5344CB8AC3E}">
-        <p14:creationId xmlns:p14="http://schemas.microsoft.com/office/powerpoint/2010/main" val="2576985450"/>
+        <p14:creationId xmlns:p14="http://schemas.microsoft.com/office/powerpoint/2010/main" val="2952000680"/>
       </p:ext>
     </p:extLst>
   </p:cSld>
@@ -25912,7 +26063,7 @@
           <a:p>
             <a:r>
               <a:rPr lang="en-US" dirty="0"/>
-              <a:t>Tasks</a:t>
+              <a:t>Groups</a:t>
             </a:r>
           </a:p>
         </p:txBody>
@@ -25935,7 +26086,7 @@
         </p:nvSpPr>
         <p:spPr>
           <a:xfrm>
-            <a:off x="112712" y="1092518"/>
+            <a:off x="160337" y="1159193"/>
             <a:ext cx="11736388" cy="5289232"/>
           </a:xfrm>
         </p:spPr>
@@ -25949,7 +26100,7 @@
             </a:pPr>
             <a:r>
               <a:rPr lang="en-GB" dirty="0"/>
-              <a:t>What is Refresh Identity cube task, why do you need it, explain some major options you need while Running Refresh task</a:t>
+              <a:t>What is difference between Group, Population and Workgroup</a:t>
             </a:r>
           </a:p>
           <a:p>
@@ -25959,7 +26110,7 @@
             </a:pPr>
             <a:r>
               <a:rPr lang="en-GB" dirty="0"/>
-              <a:t>Explain about Perform maintenance task</a:t>
+              <a:t>How do you create a Population</a:t>
             </a:r>
           </a:p>
           <a:p>
@@ -25969,7 +26120,7 @@
             </a:pPr>
             <a:r>
               <a:rPr lang="en-GB" dirty="0"/>
-              <a:t>Explain about check expired work items task</a:t>
+              <a:t>Where do you use Workgroup and Population</a:t>
             </a:r>
           </a:p>
           <a:p>
@@ -25979,48 +26130,9 @@
             </a:pPr>
             <a:r>
               <a:rPr lang="en-GB" dirty="0"/>
-              <a:t>Run Rule Task</a:t>
+              <a:t>What is the purpose of Groups</a:t>
             </a:r>
-          </a:p>
-          <a:p>
-            <a:pPr marL="285750" indent="-285750">
-              <a:buFont typeface="Arial" panose="020B0604020202020204" pitchFamily="34" charset="0"/>
-              <a:buChar char="•"/>
-            </a:pPr>
-            <a:r>
-              <a:rPr lang="en-GB" dirty="0"/>
-              <a:t>Entitlement Role Generator Task</a:t>
-            </a:r>
-          </a:p>
-          <a:p>
-            <a:pPr marL="285750" indent="-285750">
-              <a:buFont typeface="Arial" panose="020B0604020202020204" pitchFamily="34" charset="0"/>
-              <a:buChar char="•"/>
-            </a:pPr>
-            <a:r>
-              <a:rPr lang="en-US" dirty="0"/>
-              <a:t>Application Builder Task</a:t>
-            </a:r>
-          </a:p>
-          <a:p>
-            <a:pPr marL="285750" indent="-285750">
-              <a:buFont typeface="Arial" panose="020B0604020202020204" pitchFamily="34" charset="0"/>
-              <a:buChar char="•"/>
-            </a:pPr>
-            <a:r>
-              <a:rPr lang="en-US" dirty="0"/>
-              <a:t>Propagate Role Changes Task</a:t>
-            </a:r>
-          </a:p>
-          <a:p>
-            <a:pPr marL="285750" indent="-285750">
-              <a:buFont typeface="Arial" panose="020B0604020202020204" pitchFamily="34" charset="0"/>
-              <a:buChar char="•"/>
-            </a:pPr>
-            <a:r>
-              <a:rPr lang="en-US" dirty="0"/>
-              <a:t>Sequential Task launcher</a:t>
-            </a:r>
+            <a:endParaRPr lang="en-US" dirty="0"/>
           </a:p>
         </p:txBody>
       </p:sp>
@@ -26057,7 +26169,7 @@
     </p:spTree>
     <p:extLst>
       <p:ext uri="{BB962C8B-B14F-4D97-AF65-F5344CB8AC3E}">
-        <p14:creationId xmlns:p14="http://schemas.microsoft.com/office/powerpoint/2010/main" val="2952000680"/>
+        <p14:creationId xmlns:p14="http://schemas.microsoft.com/office/powerpoint/2010/main" val="2666398950"/>
       </p:ext>
     </p:extLst>
   </p:cSld>
@@ -26123,9 +26235,10 @@
           <a:lstStyle/>
           <a:p>
             <a:r>
-              <a:rPr lang="en-US" dirty="0"/>
-              <a:t>Groups</a:t>
+              <a:rPr lang="en-US"/>
+              <a:t>Auditing</a:t>
             </a:r>
+            <a:endParaRPr lang="en-US" dirty="0"/>
           </a:p>
         </p:txBody>
       </p:sp>
@@ -26161,7 +26274,7 @@
             </a:pPr>
             <a:r>
               <a:rPr lang="en-GB" dirty="0"/>
-              <a:t>What is difference between Group, Population and Workgroup</a:t>
+              <a:t>What is Auditing, why do you need it</a:t>
             </a:r>
           </a:p>
           <a:p>
@@ -26171,27 +26284,7 @@
             </a:pPr>
             <a:r>
               <a:rPr lang="en-GB" dirty="0"/>
-              <a:t>How do you create a Population</a:t>
-            </a:r>
-          </a:p>
-          <a:p>
-            <a:pPr marL="285750" indent="-285750">
-              <a:buFont typeface="Arial" panose="020B0604020202020204" pitchFamily="34" charset="0"/>
-              <a:buChar char="•"/>
-            </a:pPr>
-            <a:r>
-              <a:rPr lang="en-GB" dirty="0"/>
-              <a:t>Where do you use Workgroup and Population</a:t>
-            </a:r>
-          </a:p>
-          <a:p>
-            <a:pPr marL="285750" indent="-285750">
-              <a:buFont typeface="Arial" panose="020B0604020202020204" pitchFamily="34" charset="0"/>
-              <a:buChar char="•"/>
-            </a:pPr>
-            <a:r>
-              <a:rPr lang="en-GB" dirty="0"/>
-              <a:t>What is the purpose of Groups</a:t>
+              <a:t>How do you create an Audit event</a:t>
             </a:r>
             <a:endParaRPr lang="en-US" dirty="0"/>
           </a:p>
@@ -26230,7 +26323,7 @@
     </p:spTree>
     <p:extLst>
       <p:ext uri="{BB962C8B-B14F-4D97-AF65-F5344CB8AC3E}">
-        <p14:creationId xmlns:p14="http://schemas.microsoft.com/office/powerpoint/2010/main" val="2666398950"/>
+        <p14:creationId xmlns:p14="http://schemas.microsoft.com/office/powerpoint/2010/main" val="4198908881"/>
       </p:ext>
     </p:extLst>
   </p:cSld>
@@ -26296,10 +26389,9 @@
           <a:lstStyle/>
           <a:p>
             <a:r>
-              <a:rPr lang="en-US"/>
-              <a:t>Auditing</a:t>
+              <a:rPr lang="en-US" dirty="0"/>
+              <a:t>Forms</a:t>
             </a:r>
-            <a:endParaRPr lang="en-US" dirty="0"/>
           </a:p>
         </p:txBody>
       </p:sp>
@@ -26335,7 +26427,7 @@
             </a:pPr>
             <a:r>
               <a:rPr lang="en-GB" dirty="0"/>
-              <a:t>What is Auditing, why do you need it</a:t>
+              <a:t>What are different ways of creating forms</a:t>
             </a:r>
           </a:p>
           <a:p>
@@ -26345,8 +26437,88 @@
             </a:pPr>
             <a:r>
               <a:rPr lang="en-GB" dirty="0"/>
-              <a:t>How do you create an Audit event</a:t>
+              <a:t>What is the difference between </a:t>
             </a:r>
+            <a:r>
+              <a:rPr lang="en-GB" dirty="0" err="1"/>
+              <a:t>postBack</a:t>
+            </a:r>
+            <a:r>
+              <a:rPr lang="en-GB" dirty="0"/>
+              <a:t> and dynamic</a:t>
+            </a:r>
+          </a:p>
+          <a:p>
+            <a:pPr marL="285750" indent="-285750">
+              <a:buFont typeface="Arial" panose="020B0604020202020204" pitchFamily="34" charset="0"/>
+              <a:buChar char="•"/>
+            </a:pPr>
+            <a:r>
+              <a:rPr lang="en-GB" dirty="0"/>
+              <a:t>What is dependency</a:t>
+            </a:r>
+          </a:p>
+          <a:p>
+            <a:pPr marL="285750" indent="-285750">
+              <a:buFont typeface="Arial" panose="020B0604020202020204" pitchFamily="34" charset="0"/>
+              <a:buChar char="•"/>
+            </a:pPr>
+            <a:r>
+              <a:rPr lang="en-GB" dirty="0"/>
+              <a:t>Suppose you developed a custom </a:t>
+            </a:r>
+            <a:r>
+              <a:rPr lang="en-GB" dirty="0" err="1"/>
+              <a:t>quicklink</a:t>
+            </a:r>
+            <a:r>
+              <a:rPr lang="en-GB" dirty="0"/>
+              <a:t>, whenever user access it, it opens a </a:t>
+            </a:r>
+            <a:r>
+              <a:rPr lang="en-GB" dirty="0" err="1"/>
+              <a:t>workitem</a:t>
+            </a:r>
+            <a:r>
+              <a:rPr lang="en-GB" dirty="0"/>
+              <a:t> of type form, how do you prevent it</a:t>
+            </a:r>
+          </a:p>
+          <a:p>
+            <a:pPr marL="285750" indent="-285750">
+              <a:buFont typeface="Arial" panose="020B0604020202020204" pitchFamily="34" charset="0"/>
+              <a:buChar char="•"/>
+            </a:pPr>
+            <a:r>
+              <a:rPr lang="en-GB" dirty="0"/>
+              <a:t>How do you make form a wizard</a:t>
+            </a:r>
+          </a:p>
+          <a:p>
+            <a:pPr marL="285750" indent="-285750">
+              <a:buFont typeface="Arial" panose="020B0604020202020204" pitchFamily="34" charset="0"/>
+              <a:buChar char="•"/>
+            </a:pPr>
+            <a:r>
+              <a:rPr lang="en-GB" dirty="0"/>
+              <a:t>How do you display a custom HTML in a form without using fields</a:t>
+            </a:r>
+          </a:p>
+          <a:p>
+            <a:pPr marL="285750" indent="-285750">
+              <a:buFont typeface="Arial" panose="020B0604020202020204" pitchFamily="34" charset="0"/>
+              <a:buChar char="•"/>
+            </a:pPr>
+            <a:r>
+              <a:rPr lang="en-GB" dirty="0"/>
+              <a:t>What is filter string, how it is useful</a:t>
+            </a:r>
+          </a:p>
+          <a:p>
+            <a:pPr marL="285750" indent="-285750">
+              <a:buFont typeface="Arial" panose="020B0604020202020204" pitchFamily="34" charset="0"/>
+              <a:buChar char="•"/>
+            </a:pPr>
             <a:endParaRPr lang="en-US" dirty="0"/>
           </a:p>
         </p:txBody>
@@ -26384,7 +26556,7 @@
     </p:spTree>
     <p:extLst>
       <p:ext uri="{BB962C8B-B14F-4D97-AF65-F5344CB8AC3E}">
-        <p14:creationId xmlns:p14="http://schemas.microsoft.com/office/powerpoint/2010/main" val="4198908881"/>
+        <p14:creationId xmlns:p14="http://schemas.microsoft.com/office/powerpoint/2010/main" val="295963906"/>
       </p:ext>
     </p:extLst>
   </p:cSld>
@@ -26450,9 +26622,10 @@
           <a:lstStyle/>
           <a:p>
             <a:r>
-              <a:rPr lang="en-US" dirty="0"/>
-              <a:t>Scenarios</a:t>
+              <a:rPr lang="en-US" dirty="0" err="1"/>
+              <a:t>Misc</a:t>
             </a:r>
+            <a:endParaRPr lang="en-US" dirty="0"/>
           </a:p>
         </p:txBody>
       </p:sp>
@@ -26488,7 +26661,7 @@
             </a:pPr>
             <a:r>
               <a:rPr lang="en-GB" dirty="0"/>
-              <a:t>Application onboarding steps</a:t>
+              <a:t>What is Dynamic population</a:t>
             </a:r>
           </a:p>
           <a:p>
@@ -26498,7 +26671,7 @@
             </a:pPr>
             <a:r>
               <a:rPr lang="en-GB" dirty="0"/>
-              <a:t>What is your approach to identify which connector to use for an application?</a:t>
+              <a:t>How do you set maximum users you can select in Manage Access</a:t>
             </a:r>
           </a:p>
           <a:p>
@@ -26508,8 +26681,13 @@
             </a:pPr>
             <a:r>
               <a:rPr lang="en-GB" dirty="0"/>
-              <a:t>What is SCIM, how different it is with Web Services Connector</a:t>
+              <a:t>How do you configure who can see a particular </a:t>
             </a:r>
+            <a:r>
+              <a:rPr lang="en-GB" dirty="0" err="1"/>
+              <a:t>Quicklink</a:t>
+            </a:r>
+            <a:endParaRPr lang="en-GB" dirty="0"/>
           </a:p>
           <a:p>
             <a:pPr marL="285750" indent="-285750">
@@ -26518,7 +26696,7 @@
             </a:pPr>
             <a:r>
               <a:rPr lang="en-GB" dirty="0"/>
-              <a:t>What are the different connectors you worked on, explain some major challenges</a:t>
+              <a:t>What is classification</a:t>
             </a:r>
           </a:p>
           <a:p>
@@ -26526,7 +26704,136 @@
               <a:buFont typeface="Arial" panose="020B0604020202020204" pitchFamily="34" charset="0"/>
               <a:buChar char="•"/>
             </a:pPr>
-            <a:endParaRPr lang="en-US" dirty="0"/>
+            <a:r>
+              <a:rPr lang="en-GB" dirty="0"/>
+              <a:t>Can you attach any document while requesting for access</a:t>
+            </a:r>
+          </a:p>
+          <a:p>
+            <a:pPr marL="285750" indent="-285750">
+              <a:buFont typeface="Arial" panose="020B0604020202020204" pitchFamily="34" charset="0"/>
+              <a:buChar char="•"/>
+            </a:pPr>
+            <a:r>
+              <a:rPr lang="en-GB" dirty="0"/>
+              <a:t>How do you reset cache and what is the purpose of it</a:t>
+            </a:r>
+          </a:p>
+          <a:p>
+            <a:pPr marL="285750" indent="-285750">
+              <a:buFont typeface="Arial" panose="020B0604020202020204" pitchFamily="34" charset="0"/>
+              <a:buChar char="•"/>
+            </a:pPr>
+            <a:r>
+              <a:rPr lang="en-GB" dirty="0"/>
+              <a:t>How do you get count of Licensed Identities</a:t>
+            </a:r>
+          </a:p>
+          <a:p>
+            <a:pPr marL="285750" indent="-285750">
+              <a:buFont typeface="Arial" panose="020B0604020202020204" pitchFamily="34" charset="0"/>
+              <a:buChar char="•"/>
+            </a:pPr>
+            <a:r>
+              <a:rPr lang="en-GB" dirty="0"/>
+              <a:t>What is Administrator console</a:t>
+            </a:r>
+          </a:p>
+          <a:p>
+            <a:pPr marL="285750" indent="-285750">
+              <a:buFont typeface="Arial" panose="020B0604020202020204" pitchFamily="34" charset="0"/>
+              <a:buChar char="•"/>
+            </a:pPr>
+            <a:r>
+              <a:rPr lang="en-GB" dirty="0"/>
+              <a:t>What is Extended attribute, how many available by default and how can you increase the limit</a:t>
+            </a:r>
+          </a:p>
+          <a:p>
+            <a:pPr marL="285750" indent="-285750">
+              <a:buFont typeface="Arial" panose="020B0604020202020204" pitchFamily="34" charset="0"/>
+              <a:buChar char="•"/>
+            </a:pPr>
+            <a:r>
+              <a:rPr lang="en-GB" dirty="0"/>
+              <a:t>What are different types of forms</a:t>
+            </a:r>
+          </a:p>
+          <a:p>
+            <a:pPr marL="285750" indent="-285750">
+              <a:buFont typeface="Arial" panose="020B0604020202020204" pitchFamily="34" charset="0"/>
+              <a:buChar char="•"/>
+            </a:pPr>
+            <a:r>
+              <a:rPr lang="en-GB" dirty="0"/>
+              <a:t>How does a </a:t>
+            </a:r>
+            <a:r>
+              <a:rPr lang="en-GB" dirty="0" err="1"/>
+              <a:t>Quicklink</a:t>
+            </a:r>
+            <a:r>
+              <a:rPr lang="en-GB" dirty="0"/>
+              <a:t>, Workflow and Form are related</a:t>
+            </a:r>
+          </a:p>
+          <a:p>
+            <a:pPr marL="285750" indent="-285750">
+              <a:buFont typeface="Arial" panose="020B0604020202020204" pitchFamily="34" charset="0"/>
+              <a:buChar char="•"/>
+            </a:pPr>
+            <a:r>
+              <a:rPr lang="en-GB" dirty="0"/>
+              <a:t>What is difference between script and Rule and which one is recommended to use</a:t>
+            </a:r>
+          </a:p>
+          <a:p>
+            <a:pPr marL="285750" indent="-285750">
+              <a:buFont typeface="Arial" panose="020B0604020202020204" pitchFamily="34" charset="0"/>
+              <a:buChar char="•"/>
+            </a:pPr>
+            <a:r>
+              <a:rPr lang="en-GB" dirty="0"/>
+              <a:t>Is it mandatory to have same attributes in Schema and Provisioning policy</a:t>
+            </a:r>
+          </a:p>
+          <a:p>
+            <a:pPr marL="285750" indent="-285750">
+              <a:buFont typeface="Arial" panose="020B0604020202020204" pitchFamily="34" charset="0"/>
+              <a:buChar char="•"/>
+            </a:pPr>
+            <a:r>
+              <a:rPr lang="en-GB" dirty="0"/>
+              <a:t>Accelerator pack</a:t>
+            </a:r>
+          </a:p>
+          <a:p>
+            <a:pPr marL="285750" indent="-285750">
+              <a:buFont typeface="Arial" panose="020B0604020202020204" pitchFamily="34" charset="0"/>
+              <a:buChar char="•"/>
+            </a:pPr>
+            <a:endParaRPr lang="en-GB" dirty="0"/>
+          </a:p>
+          <a:p>
+            <a:pPr marL="285750" indent="-285750">
+              <a:buFont typeface="Arial" panose="020B0604020202020204" pitchFamily="34" charset="0"/>
+              <a:buChar char="•"/>
+            </a:pPr>
+            <a:endParaRPr lang="en-GB" dirty="0"/>
+          </a:p>
+          <a:p>
+            <a:pPr marL="285750" indent="-285750">
+              <a:buFont typeface="Arial" panose="020B0604020202020204" pitchFamily="34" charset="0"/>
+              <a:buChar char="•"/>
+            </a:pPr>
+            <a:endParaRPr lang="en-GB" dirty="0"/>
+          </a:p>
+          <a:p>
+            <a:pPr marL="285750" indent="-285750">
+              <a:buFont typeface="Arial" panose="020B0604020202020204" pitchFamily="34" charset="0"/>
+              <a:buChar char="•"/>
+            </a:pPr>
+            <a:endParaRPr lang="en-GB" dirty="0"/>
           </a:p>
         </p:txBody>
       </p:sp>
@@ -26555,6 +26862,305 @@
               <a:rPr lang="en-US" smtClean="0"/>
               <a:pPr/>
               <a:t>15</a:t>
+            </a:fld>
+            <a:endParaRPr lang="en-US" dirty="0"/>
+          </a:p>
+        </p:txBody>
+      </p:sp>
+    </p:spTree>
+    <p:extLst>
+      <p:ext uri="{BB962C8B-B14F-4D97-AF65-F5344CB8AC3E}">
+        <p14:creationId xmlns:p14="http://schemas.microsoft.com/office/powerpoint/2010/main" val="2403108016"/>
+      </p:ext>
+    </p:extLst>
+  </p:cSld>
+  <p:clrMapOvr>
+    <a:masterClrMapping/>
+  </p:clrMapOvr>
+  <mc:AlternateContent xmlns:mc="http://schemas.openxmlformats.org/markup-compatibility/2006" xmlns:p14="http://schemas.microsoft.com/office/powerpoint/2010/main">
+    <mc:Choice Requires="p14">
+      <p:transition spd="med" p14:dur="700">
+        <p:fade/>
+      </p:transition>
+    </mc:Choice>
+    <mc:Fallback xmlns="">
+      <p:transition spd="med">
+        <p:fade/>
+      </p:transition>
+    </mc:Fallback>
+  </mc:AlternateContent>
+</p:sld>
+</file>
+
+<file path=ppt/slides/slide16.xml><?xml version="1.0" encoding="utf-8"?>
+<p:sld xmlns:a="http://schemas.openxmlformats.org/drawingml/2006/main" xmlns:r="http://schemas.openxmlformats.org/officeDocument/2006/relationships" xmlns:p="http://schemas.openxmlformats.org/presentationml/2006/main">
+  <p:cSld>
+    <p:spTree>
+      <p:nvGrpSpPr>
+        <p:cNvPr id="1" name=""/>
+        <p:cNvGrpSpPr/>
+        <p:nvPr/>
+      </p:nvGrpSpPr>
+      <p:grpSpPr>
+        <a:xfrm>
+          <a:off x="0" y="0"/>
+          <a:ext cx="0" cy="0"/>
+          <a:chOff x="0" y="0"/>
+          <a:chExt cx="0" cy="0"/>
+        </a:xfrm>
+      </p:grpSpPr>
+      <p:sp>
+        <p:nvSpPr>
+          <p:cNvPr id="4" name="Title 3">
+            <a:extLst>
+              <a:ext uri="{FF2B5EF4-FFF2-40B4-BE49-F238E27FC236}">
+                <a16:creationId xmlns:a16="http://schemas.microsoft.com/office/drawing/2014/main" id="{E3BD8413-C238-49D7-A4E1-E8FEF1811A0E}"/>
+              </a:ext>
+            </a:extLst>
+          </p:cNvPr>
+          <p:cNvSpPr>
+            <a:spLocks noGrp="1"/>
+          </p:cNvSpPr>
+          <p:nvPr>
+            <p:ph type="title"/>
+          </p:nvPr>
+        </p:nvSpPr>
+        <p:spPr>
+          <a:xfrm>
+            <a:off x="44314" y="73855"/>
+            <a:ext cx="7781544" cy="859055"/>
+          </a:xfrm>
+        </p:spPr>
+        <p:txBody>
+          <a:bodyPr/>
+          <a:lstStyle/>
+          <a:p>
+            <a:r>
+              <a:rPr lang="en-US" dirty="0" err="1"/>
+              <a:t>Misc</a:t>
+            </a:r>
+            <a:r>
+              <a:rPr lang="en-US" dirty="0"/>
+              <a:t> -2</a:t>
+            </a:r>
+          </a:p>
+        </p:txBody>
+      </p:sp>
+      <p:sp>
+        <p:nvSpPr>
+          <p:cNvPr id="5" name="Text Placeholder 4">
+            <a:extLst>
+              <a:ext uri="{FF2B5EF4-FFF2-40B4-BE49-F238E27FC236}">
+                <a16:creationId xmlns:a16="http://schemas.microsoft.com/office/drawing/2014/main" id="{0A95F4DE-39B7-4CE2-BC1E-8B8AE662A895}"/>
+              </a:ext>
+            </a:extLst>
+          </p:cNvPr>
+          <p:cNvSpPr>
+            <a:spLocks noGrp="1"/>
+          </p:cNvSpPr>
+          <p:nvPr>
+            <p:ph type="body" idx="1"/>
+          </p:nvPr>
+        </p:nvSpPr>
+        <p:spPr>
+          <a:xfrm>
+            <a:off x="160337" y="1159193"/>
+            <a:ext cx="11736388" cy="5289232"/>
+          </a:xfrm>
+        </p:spPr>
+        <p:txBody>
+          <a:bodyPr/>
+          <a:lstStyle/>
+          <a:p>
+            <a:pPr marL="285750" indent="-285750">
+              <a:buFont typeface="Arial" panose="020B0604020202020204" pitchFamily="34" charset="0"/>
+              <a:buChar char="•"/>
+            </a:pPr>
+            <a:r>
+              <a:rPr lang="en-GB" dirty="0"/>
+              <a:t>Application onboarding steps</a:t>
+            </a:r>
+          </a:p>
+          <a:p>
+            <a:pPr marL="285750" indent="-285750">
+              <a:buFont typeface="Arial" panose="020B0604020202020204" pitchFamily="34" charset="0"/>
+              <a:buChar char="•"/>
+            </a:pPr>
+            <a:r>
+              <a:rPr lang="en-GB" dirty="0"/>
+              <a:t>What is your approach to identify which connector to use for an application?</a:t>
+            </a:r>
+          </a:p>
+          <a:p>
+            <a:pPr marL="285750" indent="-285750">
+              <a:buFont typeface="Arial" panose="020B0604020202020204" pitchFamily="34" charset="0"/>
+              <a:buChar char="•"/>
+            </a:pPr>
+            <a:r>
+              <a:rPr lang="en-GB" dirty="0"/>
+              <a:t>What is SCIM, how different it is with Web Services Connector</a:t>
+            </a:r>
+          </a:p>
+          <a:p>
+            <a:pPr marL="285750" indent="-285750">
+              <a:buFont typeface="Arial" panose="020B0604020202020204" pitchFamily="34" charset="0"/>
+              <a:buChar char="•"/>
+            </a:pPr>
+            <a:r>
+              <a:rPr lang="en-GB" dirty="0"/>
+              <a:t>What are the different connectors you worked on, explain some major challenges</a:t>
+            </a:r>
+          </a:p>
+          <a:p>
+            <a:pPr marL="285750" indent="-285750">
+              <a:buFont typeface="Arial" panose="020B0604020202020204" pitchFamily="34" charset="0"/>
+              <a:buChar char="•"/>
+            </a:pPr>
+            <a:r>
+              <a:rPr lang="en-GB" dirty="0"/>
+              <a:t>What is File Access Manager</a:t>
+            </a:r>
+          </a:p>
+          <a:p>
+            <a:pPr marL="285750" indent="-285750">
+              <a:buFont typeface="Arial" panose="020B0604020202020204" pitchFamily="34" charset="0"/>
+              <a:buChar char="•"/>
+            </a:pPr>
+            <a:r>
+              <a:rPr lang="en-GB" dirty="0"/>
+              <a:t>What is Predictive Identity</a:t>
+            </a:r>
+          </a:p>
+          <a:p>
+            <a:pPr marL="285750" indent="-285750">
+              <a:buFont typeface="Arial" panose="020B0604020202020204" pitchFamily="34" charset="0"/>
+              <a:buChar char="•"/>
+            </a:pPr>
+            <a:r>
+              <a:rPr lang="en-GB" dirty="0"/>
+              <a:t>What are different type of reports you worked</a:t>
+            </a:r>
+          </a:p>
+          <a:p>
+            <a:pPr marL="285750" indent="-285750">
+              <a:buFont typeface="Arial" panose="020B0604020202020204" pitchFamily="34" charset="0"/>
+              <a:buChar char="•"/>
+            </a:pPr>
+            <a:r>
+              <a:rPr lang="en-GB" dirty="0"/>
+              <a:t>What are different type of Lifecycle events, how does it work</a:t>
+            </a:r>
+          </a:p>
+          <a:p>
+            <a:pPr marL="285750" indent="-285750">
+              <a:buFont typeface="Arial" panose="020B0604020202020204" pitchFamily="34" charset="0"/>
+              <a:buChar char="•"/>
+            </a:pPr>
+            <a:r>
+              <a:rPr lang="en-GB" dirty="0"/>
+              <a:t>What are batch requests and why do you need it</a:t>
+            </a:r>
+          </a:p>
+          <a:p>
+            <a:pPr marL="285750" indent="-285750">
+              <a:buFont typeface="Arial" panose="020B0604020202020204" pitchFamily="34" charset="0"/>
+              <a:buChar char="•"/>
+            </a:pPr>
+            <a:r>
+              <a:rPr lang="en-GB" dirty="0"/>
+              <a:t>IIQ Patch and Upgrade process</a:t>
+            </a:r>
+          </a:p>
+          <a:p>
+            <a:pPr marL="285750" indent="-285750">
+              <a:buFont typeface="Arial" panose="020B0604020202020204" pitchFamily="34" charset="0"/>
+              <a:buChar char="•"/>
+            </a:pPr>
+            <a:r>
+              <a:rPr lang="en-GB" dirty="0"/>
+              <a:t>What are the different ways of exporting an object</a:t>
+            </a:r>
+          </a:p>
+          <a:p>
+            <a:pPr marL="285750" indent="-285750">
+              <a:buFont typeface="Arial" panose="020B0604020202020204" pitchFamily="34" charset="0"/>
+              <a:buChar char="•"/>
+            </a:pPr>
+            <a:r>
+              <a:rPr lang="en-GB" dirty="0"/>
+              <a:t>What is </a:t>
+            </a:r>
+            <a:r>
+              <a:rPr lang="en-GB" dirty="0" err="1"/>
+              <a:t>ObjectConfig</a:t>
+            </a:r>
+            <a:endParaRPr lang="en-GB" dirty="0"/>
+          </a:p>
+          <a:p>
+            <a:pPr marL="285750" indent="-285750">
+              <a:buFont typeface="Arial" panose="020B0604020202020204" pitchFamily="34" charset="0"/>
+              <a:buChar char="•"/>
+            </a:pPr>
+            <a:r>
+              <a:rPr lang="en-GB" dirty="0"/>
+              <a:t>Is workgroup an identity</a:t>
+            </a:r>
+          </a:p>
+          <a:p>
+            <a:pPr marL="285750" indent="-285750">
+              <a:buFont typeface="Arial" panose="020B0604020202020204" pitchFamily="34" charset="0"/>
+              <a:buChar char="•"/>
+            </a:pPr>
+            <a:endParaRPr lang="en-GB" dirty="0"/>
+          </a:p>
+          <a:p>
+            <a:pPr marL="285750" indent="-285750">
+              <a:buFont typeface="Arial" panose="020B0604020202020204" pitchFamily="34" charset="0"/>
+              <a:buChar char="•"/>
+            </a:pPr>
+            <a:endParaRPr lang="en-GB" dirty="0"/>
+          </a:p>
+          <a:p>
+            <a:pPr marL="285750" indent="-285750">
+              <a:buFont typeface="Arial" panose="020B0604020202020204" pitchFamily="34" charset="0"/>
+              <a:buChar char="•"/>
+            </a:pPr>
+            <a:endParaRPr lang="en-GB" dirty="0"/>
+          </a:p>
+          <a:p>
+            <a:pPr marL="285750" indent="-285750">
+              <a:buFont typeface="Arial" panose="020B0604020202020204" pitchFamily="34" charset="0"/>
+              <a:buChar char="•"/>
+            </a:pPr>
+            <a:endParaRPr lang="en-US" dirty="0"/>
+          </a:p>
+        </p:txBody>
+      </p:sp>
+      <p:sp>
+        <p:nvSpPr>
+          <p:cNvPr id="2" name="Slide Number Placeholder 1">
+            <a:extLst>
+              <a:ext uri="{FF2B5EF4-FFF2-40B4-BE49-F238E27FC236}">
+                <a16:creationId xmlns:a16="http://schemas.microsoft.com/office/drawing/2014/main" id="{0B24BF10-2B55-43AB-9F77-F1A1410384A9}"/>
+              </a:ext>
+            </a:extLst>
+          </p:cNvPr>
+          <p:cNvSpPr>
+            <a:spLocks noGrp="1"/>
+          </p:cNvSpPr>
+          <p:nvPr>
+            <p:ph type="sldNum" sz="quarter" idx="12"/>
+          </p:nvPr>
+        </p:nvSpPr>
+        <p:spPr/>
+        <p:txBody>
+          <a:bodyPr/>
+          <a:lstStyle/>
+          <a:p>
+            <a:fld id="{C263D6C4-4840-40CC-AC84-17E24B3B7BDE}" type="slidenum">
+              <a:rPr lang="en-US" smtClean="0"/>
+              <a:pPr/>
+              <a:t>16</a:t>
             </a:fld>
             <a:endParaRPr lang="en-US" dirty="0"/>
           </a:p>
@@ -26585,7 +27191,7 @@
 </p:sld>
 </file>
 
-<file path=ppt/slides/slide16.xml><?xml version="1.0" encoding="utf-8"?>
+<file path=ppt/slides/slide17.xml><?xml version="1.0" encoding="utf-8"?>
 <p:sld xmlns:a="http://schemas.openxmlformats.org/drawingml/2006/main" xmlns:r="http://schemas.openxmlformats.org/officeDocument/2006/relationships" xmlns:p="http://schemas.openxmlformats.org/presentationml/2006/main">
   <p:cSld>
     <p:spTree>
@@ -26996,7 +27602,22 @@
               <a:buFont typeface="Arial" panose="020B0604020202020204" pitchFamily="34" charset="0"/>
               <a:buChar char="•"/>
             </a:pPr>
+            <a:r>
+              <a:rPr lang="en-GB" dirty="0"/>
+              <a:t>What is feature string</a:t>
+            </a:r>
             <a:endParaRPr lang="en-US" dirty="0"/>
+          </a:p>
+          <a:p>
+            <a:pPr marL="285750" indent="-285750">
+              <a:buFont typeface="Arial" panose="020B0604020202020204" pitchFamily="34" charset="0"/>
+              <a:buChar char="•"/>
+            </a:pPr>
+            <a:r>
+              <a:rPr lang="en-US" dirty="0"/>
+              <a:t>How do you control what attributes to be displayed to the user when requests for access in a provisioning form</a:t>
+            </a:r>
+            <a:endParaRPr lang="en-GB" dirty="0"/>
           </a:p>
         </p:txBody>
       </p:sp>
@@ -27100,7 +27721,7 @@
           <a:p>
             <a:r>
               <a:rPr lang="en-US" dirty="0"/>
-              <a:t>Roles</a:t>
+              <a:t>Entitlements and Roles</a:t>
             </a:r>
           </a:p>
         </p:txBody>
@@ -27137,7 +27758,47 @@
             </a:pPr>
             <a:r>
               <a:rPr lang="en-GB" dirty="0"/>
+              <a:t>What is entitlement</a:t>
+            </a:r>
+          </a:p>
+          <a:p>
+            <a:pPr marL="285750" indent="-285750">
+              <a:buFont typeface="Arial" panose="020B0604020202020204" pitchFamily="34" charset="0"/>
+              <a:buChar char="•"/>
+            </a:pPr>
+            <a:r>
+              <a:rPr lang="en-GB" dirty="0"/>
+              <a:t>What are different types of creating entitlements</a:t>
+            </a:r>
+          </a:p>
+          <a:p>
+            <a:pPr marL="285750" indent="-285750">
+              <a:buFont typeface="Arial" panose="020B0604020202020204" pitchFamily="34" charset="0"/>
+              <a:buChar char="•"/>
+            </a:pPr>
+            <a:r>
+              <a:rPr lang="en-GB" dirty="0"/>
+              <a:t>What are different type of Roles</a:t>
+            </a:r>
+          </a:p>
+          <a:p>
+            <a:pPr marL="285750" indent="-285750">
+              <a:buFont typeface="Arial" panose="020B0604020202020204" pitchFamily="34" charset="0"/>
+              <a:buChar char="•"/>
+            </a:pPr>
+            <a:r>
+              <a:rPr lang="en-GB" dirty="0"/>
               <a:t>Difference between Inherited Roles, Permitted Roles and Required Roles</a:t>
+            </a:r>
+          </a:p>
+          <a:p>
+            <a:pPr marL="285750" indent="-285750">
+              <a:buFont typeface="Arial" panose="020B0604020202020204" pitchFamily="34" charset="0"/>
+              <a:buChar char="•"/>
+            </a:pPr>
+            <a:r>
+              <a:rPr lang="en-GB" dirty="0"/>
+              <a:t>What type of Roles(Entitlement/IT/Biz/Org) will be available to choose in Inherited, Permitted and Required Roles</a:t>
             </a:r>
           </a:p>
           <a:p>
@@ -27149,6 +27810,33 @@
               <a:rPr lang="en-GB" dirty="0"/>
               <a:t>What is RBA, How do you achieve RBAC and how much % you can achieve</a:t>
             </a:r>
+          </a:p>
+          <a:p>
+            <a:pPr marL="285750" indent="-285750">
+              <a:buFont typeface="Arial" panose="020B0604020202020204" pitchFamily="34" charset="0"/>
+              <a:buChar char="•"/>
+            </a:pPr>
+            <a:r>
+              <a:rPr lang="en-GB" dirty="0"/>
+              <a:t>What is Role mining</a:t>
+            </a:r>
+          </a:p>
+          <a:p>
+            <a:pPr marL="285750" indent="-285750">
+              <a:buFont typeface="Arial" panose="020B0604020202020204" pitchFamily="34" charset="0"/>
+              <a:buChar char="•"/>
+            </a:pPr>
+            <a:r>
+              <a:rPr lang="en-GB" dirty="0"/>
+              <a:t>How do you create Roles in bulk from an entitlement of a specific application</a:t>
+            </a:r>
+          </a:p>
+          <a:p>
+            <a:pPr marL="285750" indent="-285750">
+              <a:buFont typeface="Arial" panose="020B0604020202020204" pitchFamily="34" charset="0"/>
+              <a:buChar char="•"/>
+            </a:pPr>
+            <a:endParaRPr lang="en-GB" dirty="0"/>
           </a:p>
           <a:p>
             <a:pPr marL="285750" indent="-285750">
@@ -27384,7 +28072,20 @@
               <a:buFont typeface="Arial" panose="020B0604020202020204" pitchFamily="34" charset="0"/>
               <a:buChar char="•"/>
             </a:pPr>
-            <a:endParaRPr lang="en-GB" dirty="0"/>
+            <a:r>
+              <a:rPr lang="en-GB" dirty="0"/>
+              <a:t>What are certification events</a:t>
+            </a:r>
+          </a:p>
+          <a:p>
+            <a:pPr marL="285750" indent="-285750">
+              <a:buFont typeface="Arial" panose="020B0604020202020204" pitchFamily="34" charset="0"/>
+              <a:buChar char="•"/>
+            </a:pPr>
+            <a:r>
+              <a:rPr lang="en-GB" dirty="0"/>
+              <a:t>What is the purpose of staging</a:t>
+            </a:r>
           </a:p>
           <a:p>
             <a:pPr marL="285750" indent="-285750">
@@ -27945,7 +28646,7 @@
           <a:p>
             <a:r>
               <a:rPr lang="en-US" dirty="0"/>
-              <a:t>Entitlements</a:t>
+              <a:t>Aggregation</a:t>
             </a:r>
           </a:p>
         </p:txBody>
@@ -27982,7 +28683,7 @@
             </a:pPr>
             <a:r>
               <a:rPr lang="en-GB" dirty="0"/>
-              <a:t>What is entitlement</a:t>
+              <a:t>What is Aggregation</a:t>
             </a:r>
           </a:p>
           <a:p>
@@ -27992,7 +28693,7 @@
             </a:pPr>
             <a:r>
               <a:rPr lang="en-GB" dirty="0"/>
-              <a:t>What are different types of creating entitlements</a:t>
+              <a:t>What are different types of Aggregations</a:t>
             </a:r>
           </a:p>
           <a:p>
@@ -28000,7 +28701,30 @@
               <a:buFont typeface="Arial" panose="020B0604020202020204" pitchFamily="34" charset="0"/>
               <a:buChar char="•"/>
             </a:pPr>
-            <a:endParaRPr lang="en-GB" dirty="0"/>
+            <a:r>
+              <a:rPr lang="en-GB" dirty="0"/>
+              <a:t>Explain some major options in Aggregation task</a:t>
+            </a:r>
+          </a:p>
+          <a:p>
+            <a:pPr marL="285750" indent="-285750">
+              <a:buFont typeface="Arial" panose="020B0604020202020204" pitchFamily="34" charset="0"/>
+              <a:buChar char="•"/>
+            </a:pPr>
+            <a:r>
+              <a:rPr lang="en-GB" dirty="0"/>
+              <a:t>What is partitioning, why do you need it</a:t>
+            </a:r>
+          </a:p>
+          <a:p>
+            <a:pPr marL="285750" indent="-285750">
+              <a:buFont typeface="Arial" panose="020B0604020202020204" pitchFamily="34" charset="0"/>
+              <a:buChar char="•"/>
+            </a:pPr>
+            <a:r>
+              <a:rPr lang="en-GB" dirty="0"/>
+              <a:t>Difference between Account and Group Aggregation Tasks</a:t>
+            </a:r>
           </a:p>
           <a:p>
             <a:pPr marL="285750" indent="-285750">
@@ -28044,7 +28768,7 @@
     </p:spTree>
     <p:extLst>
       <p:ext uri="{BB962C8B-B14F-4D97-AF65-F5344CB8AC3E}">
-        <p14:creationId xmlns:p14="http://schemas.microsoft.com/office/powerpoint/2010/main" val="1138892548"/>
+        <p14:creationId xmlns:p14="http://schemas.microsoft.com/office/powerpoint/2010/main" val="4123300402"/>
       </p:ext>
     </p:extLst>
   </p:cSld>
@@ -28111,7 +28835,7 @@
           <a:p>
             <a:r>
               <a:rPr lang="en-US" dirty="0"/>
-              <a:t>Aggregation</a:t>
+              <a:t>Servers</a:t>
             </a:r>
           </a:p>
         </p:txBody>
@@ -28148,7 +28872,7 @@
             </a:pPr>
             <a:r>
               <a:rPr lang="en-GB" dirty="0"/>
-              <a:t>What is Aggregation</a:t>
+              <a:t>What is UI and Task servers</a:t>
             </a:r>
           </a:p>
           <a:p>
@@ -28158,35 +28882,8 @@
             </a:pPr>
             <a:r>
               <a:rPr lang="en-GB" dirty="0"/>
-              <a:t>What are different types of Aggregations</a:t>
+              <a:t>How do you make a server UI/Task</a:t>
             </a:r>
-          </a:p>
-          <a:p>
-            <a:pPr marL="285750" indent="-285750">
-              <a:buFont typeface="Arial" panose="020B0604020202020204" pitchFamily="34" charset="0"/>
-              <a:buChar char="•"/>
-            </a:pPr>
-            <a:r>
-              <a:rPr lang="en-GB" dirty="0"/>
-              <a:t>Explain some major options in Aggregation task</a:t>
-            </a:r>
-          </a:p>
-          <a:p>
-            <a:pPr marL="285750" indent="-285750">
-              <a:buFont typeface="Arial" panose="020B0604020202020204" pitchFamily="34" charset="0"/>
-              <a:buChar char="•"/>
-            </a:pPr>
-            <a:r>
-              <a:rPr lang="en-GB" dirty="0"/>
-              <a:t>What is partitioning, why do you need it</a:t>
-            </a:r>
-          </a:p>
-          <a:p>
-            <a:pPr marL="285750" indent="-285750">
-              <a:buFont typeface="Arial" panose="020B0604020202020204" pitchFamily="34" charset="0"/>
-              <a:buChar char="•"/>
-            </a:pPr>
-            <a:endParaRPr lang="en-US" dirty="0"/>
           </a:p>
         </p:txBody>
       </p:sp>
@@ -28223,7 +28920,7 @@
     </p:spTree>
     <p:extLst>
       <p:ext uri="{BB962C8B-B14F-4D97-AF65-F5344CB8AC3E}">
-        <p14:creationId xmlns:p14="http://schemas.microsoft.com/office/powerpoint/2010/main" val="4123300402"/>
+        <p14:creationId xmlns:p14="http://schemas.microsoft.com/office/powerpoint/2010/main" val="1608936338"/>
       </p:ext>
     </p:extLst>
   </p:cSld>
@@ -29037,6 +29734,23 @@
 </file>
 
 <file path=customXml/item1.xml><?xml version="1.0" encoding="utf-8"?>
+<p:properties xmlns:p="http://schemas.microsoft.com/office/2006/metadata/properties" xmlns:xsi="http://www.w3.org/2001/XMLSchema-instance" xmlns:pc="http://schemas.microsoft.com/office/infopath/2007/PartnerControls">
+  <documentManagement>
+    <MediaServiceKeyPoints xmlns="71af3243-3dd4-4a8d-8c0d-dd76da1f02a5" xsi:nil="true"/>
+  </documentManagement>
+</p:properties>
+</file>
+
+<file path=customXml/item2.xml><?xml version="1.0" encoding="utf-8"?>
+<?mso-contentType ?>
+<FormTemplates xmlns="http://schemas.microsoft.com/sharepoint/v3/contenttype/forms">
+  <Display>DocumentLibraryForm</Display>
+  <Edit>DocumentLibraryForm</Edit>
+  <New>DocumentLibraryForm</New>
+</FormTemplates>
+</file>
+
+<file path=customXml/item3.xml><?xml version="1.0" encoding="utf-8"?>
 <ct:contentTypeSchema xmlns:ct="http://schemas.microsoft.com/office/2006/metadata/contentType" xmlns:ma="http://schemas.microsoft.com/office/2006/metadata/properties/metaAttributes" ct:_="" ma:_="" ma:contentTypeName="Document" ma:contentTypeID="0x01010079F111ED35F8CC479449609E8A0923A6" ma:contentTypeVersion="11" ma:contentTypeDescription="Create a new document." ma:contentTypeScope="" ma:versionID="96291512c1ee715ab617f4c07df79fc1">
   <xsd:schema xmlns:xsd="http://www.w3.org/2001/XMLSchema" xmlns:xs="http://www.w3.org/2001/XMLSchema" xmlns:p="http://schemas.microsoft.com/office/2006/metadata/properties" xmlns:ns2="71af3243-3dd4-4a8d-8c0d-dd76da1f02a5" xmlns:ns3="16c05727-aa75-4e4a-9b5f-8a80a1165891" targetNamespace="http://schemas.microsoft.com/office/2006/metadata/properties" ma:root="true" ma:fieldsID="8256c27c40ca5c40ce1cf6c44f0205df" ns2:_="" ns3:_="">
     <xsd:import namespace="71af3243-3dd4-4a8d-8c0d-dd76da1f02a5"/>
@@ -29247,24 +29961,25 @@
 </ct:contentTypeSchema>
 </file>
 
-<file path=customXml/item2.xml><?xml version="1.0" encoding="utf-8"?>
-<?mso-contentType ?>
-<FormTemplates xmlns="http://schemas.microsoft.com/sharepoint/v3/contenttype/forms">
-  <Display>DocumentLibraryForm</Display>
-  <Edit>DocumentLibraryForm</Edit>
-  <New>DocumentLibraryForm</New>
-</FormTemplates>
+<file path=customXml/itemProps1.xml><?xml version="1.0" encoding="utf-8"?>
+<ds:datastoreItem xmlns:ds="http://schemas.openxmlformats.org/officeDocument/2006/customXml" ds:itemID="{F5757914-1161-4661-9696-421FD6935CDD}">
+  <ds:schemaRefs>
+    <ds:schemaRef ds:uri="http://schemas.microsoft.com/office/2006/metadata/properties"/>
+    <ds:schemaRef ds:uri="http://schemas.microsoft.com/office/infopath/2007/PartnerControls"/>
+    <ds:schemaRef ds:uri="71af3243-3dd4-4a8d-8c0d-dd76da1f02a5"/>
+  </ds:schemaRefs>
+</ds:datastoreItem>
 </file>
 
-<file path=customXml/item3.xml><?xml version="1.0" encoding="utf-8"?>
-<p:properties xmlns:p="http://schemas.microsoft.com/office/2006/metadata/properties" xmlns:xsi="http://www.w3.org/2001/XMLSchema-instance" xmlns:pc="http://schemas.microsoft.com/office/infopath/2007/PartnerControls">
-  <documentManagement>
-    <MediaServiceKeyPoints xmlns="71af3243-3dd4-4a8d-8c0d-dd76da1f02a5" xsi:nil="true"/>
-  </documentManagement>
-</p:properties>
+<file path=customXml/itemProps2.xml><?xml version="1.0" encoding="utf-8"?>
+<ds:datastoreItem xmlns:ds="http://schemas.openxmlformats.org/officeDocument/2006/customXml" ds:itemID="{5B26E0C9-B2AA-42E6-97B6-E1B7D9EAF129}">
+  <ds:schemaRefs>
+    <ds:schemaRef ds:uri="http://schemas.microsoft.com/sharepoint/v3/contenttype/forms"/>
+  </ds:schemaRefs>
+</ds:datastoreItem>
 </file>
 
-<file path=customXml/itemProps1.xml><?xml version="1.0" encoding="utf-8"?>
+<file path=customXml/itemProps3.xml><?xml version="1.0" encoding="utf-8"?>
 <ds:datastoreItem xmlns:ds="http://schemas.openxmlformats.org/officeDocument/2006/customXml" ds:itemID="{4C103400-4A22-4E35-B588-4C4D42638959}">
   <ds:schemaRefs>
     <ds:schemaRef ds:uri="http://schemas.microsoft.com/office/2006/metadata/contentType"/>
@@ -29281,22 +29996,4 @@
     <ds:schemaRef ds:uri="http://schemas.microsoft.com/internal/obd"/>
   </ds:schemaRefs>
 </ds:datastoreItem>
-</file>
-
-<file path=customXml/itemProps2.xml><?xml version="1.0" encoding="utf-8"?>
-<ds:datastoreItem xmlns:ds="http://schemas.openxmlformats.org/officeDocument/2006/customXml" ds:itemID="{5B26E0C9-B2AA-42E6-97B6-E1B7D9EAF129}">
-  <ds:schemaRefs>
-    <ds:schemaRef ds:uri="http://schemas.microsoft.com/sharepoint/v3/contenttype/forms"/>
-  </ds:schemaRefs>
-</ds:datastoreItem>
-</file>
-
-<file path=customXml/itemProps3.xml><?xml version="1.0" encoding="utf-8"?>
-<ds:datastoreItem xmlns:ds="http://schemas.openxmlformats.org/officeDocument/2006/customXml" ds:itemID="{F5757914-1161-4661-9696-421FD6935CDD}">
-  <ds:schemaRefs>
-    <ds:schemaRef ds:uri="http://schemas.microsoft.com/office/2006/metadata/properties"/>
-    <ds:schemaRef ds:uri="http://schemas.microsoft.com/office/infopath/2007/PartnerControls"/>
-    <ds:schemaRef ds:uri="71af3243-3dd4-4a8d-8c0d-dd76da1f02a5"/>
-  </ds:schemaRefs>
-</ds:datastoreItem>
 </file>